--- a/Training Materials/Lecture/4. Addtional Resources.pptx
+++ b/Training Materials/Lecture/4. Addtional Resources.pptx
@@ -3340,7 +3340,7 @@
             <p:ph idx="1"/>
             <p:extLst>
               <p:ext uri="{D42A27DB-BD31-4B8C-83A1-F6EECF244321}">
-                <p14:modId xmlns:p14="http://schemas.microsoft.com/office/powerpoint/2010/main" val="2225807366"/>
+                <p14:modId xmlns:p14="http://schemas.microsoft.com/office/powerpoint/2010/main" val="1282035547"/>
               </p:ext>
             </p:extLst>
           </p:nvPr>
@@ -3592,7 +3592,7 @@
                     <a:p>
                       <a:r>
                         <a:rPr lang="en-SG" dirty="0" smtClean="0"/>
-                        <a:t>Simpler Entity Framework Core Tutorial</a:t>
+                        <a:t>Simple Entity Framework Core Tutorial</a:t>
                       </a:r>
                       <a:endParaRPr lang="en-SG" dirty="0"/>
                     </a:p>
@@ -3733,14 +3733,14 @@
             <p:ph idx="1"/>
             <p:extLst>
               <p:ext uri="{D42A27DB-BD31-4B8C-83A1-F6EECF244321}">
-                <p14:modId xmlns:p14="http://schemas.microsoft.com/office/powerpoint/2010/main" val="1433411913"/>
+                <p14:modId xmlns:p14="http://schemas.microsoft.com/office/powerpoint/2010/main" val="2970849103"/>
               </p:ext>
             </p:extLst>
           </p:nvPr>
         </p:nvGraphicFramePr>
         <p:xfrm>
           <a:off x="623888" y="1473200"/>
-          <a:ext cx="11004550" cy="3114040"/>
+          <a:ext cx="11004550" cy="4028440"/>
         </p:xfrm>
         <a:graphic>
           <a:graphicData uri="http://schemas.openxmlformats.org/drawingml/2006/table">
@@ -3939,6 +3939,43 @@
                 <a:extLst>
                   <a:ext uri="{0D108BD9-81ED-4DB2-BD59-A6C34878D82A}">
                     <a16:rowId xmlns:a16="http://schemas.microsoft.com/office/drawing/2014/main" val="3238545976"/>
+                  </a:ext>
+                </a:extLst>
+              </a:tr>
+              <a:tr h="370840">
+                <a:tc>
+                  <a:txBody>
+                    <a:bodyPr/>
+                    <a:lstStyle/>
+                    <a:p>
+                      <a:r>
+                        <a:rPr lang="en-SG" dirty="0" smtClean="0"/>
+                        <a:t>Generate SQL Scripts for production deployment</a:t>
+                      </a:r>
+                      <a:endParaRPr lang="en-SG" dirty="0"/>
+                    </a:p>
+                  </a:txBody>
+                  <a:tcPr/>
+                </a:tc>
+                <a:tc>
+                  <a:txBody>
+                    <a:bodyPr/>
+                    <a:lstStyle/>
+                    <a:p>
+                      <a:r>
+                        <a:rPr lang="en-SG" dirty="0" smtClean="0">
+                          <a:hlinkClick r:id="rId6"/>
+                        </a:rPr>
+                        <a:t>https://docs.microsoft.com/en-us/ef/core/managing-schemas/migrations/#generate-sql-scripts</a:t>
+                      </a:r>
+                      <a:endParaRPr lang="en-SG" dirty="0"/>
+                    </a:p>
+                  </a:txBody>
+                  <a:tcPr/>
+                </a:tc>
+                <a:extLst>
+                  <a:ext uri="{0D108BD9-81ED-4DB2-BD59-A6C34878D82A}">
+                    <a16:rowId xmlns:a16="http://schemas.microsoft.com/office/drawing/2014/main" val="2698593688"/>
                   </a:ext>
                 </a:extLst>
               </a:tr>
